--- a/report/DungNT-Quan-ly-benh-an.pptx
+++ b/report/DungNT-Quan-ly-benh-an.pptx
@@ -203,7 +203,7 @@
             <a:fld id="{69491747-B945-4C39-A807-A53E3E5ED8E0}" type="datetimeFigureOut">
               <a:rPr lang="en-US" smtClean="0"/>
               <a:pPr/>
-              <a:t>5/11/2014</a:t>
+              <a:t>14/06/2014</a:t>
             </a:fld>
             <a:endParaRPr lang="en-US"/>
           </a:p>
@@ -372,6 +372,11 @@
         </p:txBody>
       </p:sp>
     </p:spTree>
+    <p:extLst>
+      <p:ext uri="{BB962C8B-B14F-4D97-AF65-F5344CB8AC3E}">
+        <p14:creationId xmlns:p14="http://schemas.microsoft.com/office/powerpoint/2010/main" val="1775637850"/>
+      </p:ext>
+    </p:extLst>
   </p:cSld>
   <p:clrMap bg1="lt1" tx1="dk1" bg2="lt2" tx2="dk2" accent1="accent1" accent2="accent2" accent3="accent3" accent4="accent4" accent5="accent5" accent6="accent6" hlink="hlink" folHlink="folHlink"/>
   <p:notesStyle>
@@ -853,7 +858,7 @@
             <a:fld id="{1D8BD707-D9CF-40AE-B4C6-C98DA3205C09}" type="datetimeFigureOut">
               <a:rPr lang="en-US" smtClean="0"/>
               <a:pPr/>
-              <a:t>5/11/2014</a:t>
+              <a:t>14/06/2014</a:t>
             </a:fld>
             <a:endParaRPr lang="en-US"/>
           </a:p>
@@ -1020,7 +1025,7 @@
             <a:fld id="{1D8BD707-D9CF-40AE-B4C6-C98DA3205C09}" type="datetimeFigureOut">
               <a:rPr lang="en-US" smtClean="0"/>
               <a:pPr/>
-              <a:t>5/11/2014</a:t>
+              <a:t>14/06/2014</a:t>
             </a:fld>
             <a:endParaRPr lang="en-US"/>
           </a:p>
@@ -1197,7 +1202,7 @@
             <a:fld id="{1D8BD707-D9CF-40AE-B4C6-C98DA3205C09}" type="datetimeFigureOut">
               <a:rPr lang="en-US" smtClean="0"/>
               <a:pPr/>
-              <a:t>5/11/2014</a:t>
+              <a:t>14/06/2014</a:t>
             </a:fld>
             <a:endParaRPr lang="en-US"/>
           </a:p>
@@ -1364,7 +1369,7 @@
             <a:fld id="{1D8BD707-D9CF-40AE-B4C6-C98DA3205C09}" type="datetimeFigureOut">
               <a:rPr lang="en-US" smtClean="0"/>
               <a:pPr/>
-              <a:t>5/11/2014</a:t>
+              <a:t>14/06/2014</a:t>
             </a:fld>
             <a:endParaRPr lang="en-US"/>
           </a:p>
@@ -1607,7 +1612,7 @@
             <a:fld id="{1D8BD707-D9CF-40AE-B4C6-C98DA3205C09}" type="datetimeFigureOut">
               <a:rPr lang="en-US" smtClean="0"/>
               <a:pPr/>
-              <a:t>5/11/2014</a:t>
+              <a:t>14/06/2014</a:t>
             </a:fld>
             <a:endParaRPr lang="en-US"/>
           </a:p>
@@ -1892,7 +1897,7 @@
             <a:fld id="{1D8BD707-D9CF-40AE-B4C6-C98DA3205C09}" type="datetimeFigureOut">
               <a:rPr lang="en-US" smtClean="0"/>
               <a:pPr/>
-              <a:t>5/11/2014</a:t>
+              <a:t>14/06/2014</a:t>
             </a:fld>
             <a:endParaRPr lang="en-US"/>
           </a:p>
@@ -2311,7 +2316,7 @@
             <a:fld id="{1D8BD707-D9CF-40AE-B4C6-C98DA3205C09}" type="datetimeFigureOut">
               <a:rPr lang="en-US" smtClean="0"/>
               <a:pPr/>
-              <a:t>5/11/2014</a:t>
+              <a:t>14/06/2014</a:t>
             </a:fld>
             <a:endParaRPr lang="en-US"/>
           </a:p>
@@ -2426,7 +2431,7 @@
             <a:fld id="{1D8BD707-D9CF-40AE-B4C6-C98DA3205C09}" type="datetimeFigureOut">
               <a:rPr lang="en-US" smtClean="0"/>
               <a:pPr/>
-              <a:t>5/11/2014</a:t>
+              <a:t>14/06/2014</a:t>
             </a:fld>
             <a:endParaRPr lang="en-US"/>
           </a:p>
@@ -2518,7 +2523,7 @@
             <a:fld id="{1D8BD707-D9CF-40AE-B4C6-C98DA3205C09}" type="datetimeFigureOut">
               <a:rPr lang="en-US" smtClean="0"/>
               <a:pPr/>
-              <a:t>5/11/2014</a:t>
+              <a:t>14/06/2014</a:t>
             </a:fld>
             <a:endParaRPr lang="en-US"/>
           </a:p>
@@ -2792,7 +2797,7 @@
             <a:fld id="{1D8BD707-D9CF-40AE-B4C6-C98DA3205C09}" type="datetimeFigureOut">
               <a:rPr lang="en-US" smtClean="0"/>
               <a:pPr/>
-              <a:t>5/11/2014</a:t>
+              <a:t>14/06/2014</a:t>
             </a:fld>
             <a:endParaRPr lang="en-US"/>
           </a:p>
@@ -3042,7 +3047,7 @@
             <a:fld id="{1D8BD707-D9CF-40AE-B4C6-C98DA3205C09}" type="datetimeFigureOut">
               <a:rPr lang="en-US" smtClean="0"/>
               <a:pPr/>
-              <a:t>5/11/2014</a:t>
+              <a:t>14/06/2014</a:t>
             </a:fld>
             <a:endParaRPr lang="en-US"/>
           </a:p>
@@ -3252,7 +3257,7 @@
             <a:fld id="{1D8BD707-D9CF-40AE-B4C6-C98DA3205C09}" type="datetimeFigureOut">
               <a:rPr lang="en-US" smtClean="0"/>
               <a:pPr/>
-              <a:t>5/11/2014</a:t>
+              <a:t>14/06/2014</a:t>
             </a:fld>
             <a:endParaRPr lang="en-US"/>
           </a:p>
@@ -3973,27 +3978,64 @@
           </a:p>
         </p:txBody>
       </p:sp>
+      <p:sp>
+        <p:nvSpPr>
+          <p:cNvPr id="3" name="Content Placeholder 2"/>
+          <p:cNvSpPr>
+            <a:spLocks noGrp="1"/>
+          </p:cNvSpPr>
+          <p:nvPr>
+            <p:ph idx="1"/>
+          </p:nvPr>
+        </p:nvSpPr>
+        <p:spPr/>
+        <p:txBody>
+          <a:bodyPr/>
+          <a:lstStyle/>
+          <a:p>
+            <a:endParaRPr lang="en-US"/>
+          </a:p>
+        </p:txBody>
+      </p:sp>
       <p:pic>
         <p:nvPicPr>
-          <p:cNvPr id="4" name="Content Placeholder 3" descr="Uml.bak.png"/>
+          <p:cNvPr id="1026" name="Picture 2" descr="C:\Users\Admin15\Desktop\checking\cao-hoc\CSDLHDT\project\object-orient-database-homework\report\Uml.png"/>
           <p:cNvPicPr>
-            <a:picLocks noGrp="1" noChangeAspect="1"/>
+            <a:picLocks noChangeAspect="1" noChangeArrowheads="1"/>
           </p:cNvPicPr>
-          <p:nvPr>
-            <p:ph idx="1"/>
-          </p:nvPr>
+          <p:nvPr/>
         </p:nvPicPr>
         <p:blipFill>
-          <a:blip r:embed="rId2" cstate="print"/>
+          <a:blip r:embed="rId2">
+            <a:extLst>
+              <a:ext uri="{28A0092B-C50C-407E-A947-70E740481C1C}">
+                <a14:useLocalDpi xmlns:a14="http://schemas.microsoft.com/office/drawing/2010/main" val="0"/>
+              </a:ext>
+            </a:extLst>
+          </a:blip>
+          <a:srcRect/>
           <a:stretch>
             <a:fillRect/>
           </a:stretch>
         </p:blipFill>
-        <p:spPr>
+        <p:spPr bwMode="auto">
           <a:xfrm>
-            <a:off x="304800" y="1066800"/>
-            <a:ext cx="8581369" cy="7315200"/>
+            <a:off x="704850" y="609600"/>
+            <a:ext cx="7734300" cy="6015172"/>
           </a:xfrm>
+          <a:prstGeom prst="rect">
+            <a:avLst/>
+          </a:prstGeom>
+          <a:noFill/>
+          <a:extLst>
+            <a:ext uri="{909E8E84-426E-40DD-AFC4-6F175D3DCCD1}">
+              <a14:hiddenFill xmlns:a14="http://schemas.microsoft.com/office/drawing/2010/main">
+                <a:solidFill>
+                  <a:srgbClr val="FFFFFF"/>
+                </a:solidFill>
+              </a14:hiddenFill>
+            </a:ext>
+          </a:extLst>
         </p:spPr>
       </p:pic>
     </p:spTree>
@@ -4072,32 +4114,6 @@
           </a:p>
         </p:txBody>
       </p:sp>
-      <p:pic>
-        <p:nvPicPr>
-          <p:cNvPr id="24579" name="Picture 3" descr="C:\Documents and Settings\Administrator\Local Settings\Temporary Internet Files\Content.IE5\NCEQRWO2\MP900442496[1].jpg"/>
-          <p:cNvPicPr>
-            <a:picLocks noChangeAspect="1" noChangeArrowheads="1"/>
-          </p:cNvPicPr>
-          <p:nvPr/>
-        </p:nvPicPr>
-        <p:blipFill>
-          <a:blip r:embed="rId2" cstate="print"/>
-          <a:srcRect/>
-          <a:stretch>
-            <a:fillRect/>
-          </a:stretch>
-        </p:blipFill>
-        <p:spPr bwMode="auto">
-          <a:xfrm>
-            <a:off x="2895600" y="1219200"/>
-            <a:ext cx="3276600" cy="5638800"/>
-          </a:xfrm>
-          <a:prstGeom prst="rect">
-            <a:avLst/>
-          </a:prstGeom>
-          <a:noFill/>
-        </p:spPr>
-      </p:pic>
     </p:spTree>
   </p:cSld>
   <p:clrMapOvr>
